--- a/PFF_BOUHSEN_RAFIQ.pptx
+++ b/PFF_BOUHSEN_RAFIQ.pptx
@@ -1480,6 +1480,13 @@
     <dgm:pt modelId="{039B1332-B4AD-4EF9-AD15-550BDDEDE5A0}" type="pres">
       <dgm:prSet presAssocID="{9C191049-C7D8-4499-B99B-16FD3DC0FB21}" presName="Name17" presStyleLbl="parChTrans1D3" presStyleIdx="2" presStyleCnt="4"/>
       <dgm:spPr/>
+      <dgm:t>
+        <a:bodyPr/>
+        <a:lstStyle/>
+        <a:p>
+          <a:endParaRPr lang="fr-FR"/>
+        </a:p>
+      </dgm:t>
     </dgm:pt>
     <dgm:pt modelId="{874A83A7-461D-4DBF-9388-9262B4D4166C}" type="pres">
       <dgm:prSet presAssocID="{8D38CEAB-3E87-4EED-AF4A-170D32DDB0FA}" presName="hierRoot3" presStyleCnt="0"/>
@@ -1515,6 +1522,13 @@
     <dgm:pt modelId="{FBDA7930-FC2A-427D-9CC4-9BAA05DF6004}" type="pres">
       <dgm:prSet presAssocID="{177C0CCD-5C76-4992-830D-E228D4078621}" presName="Name17" presStyleLbl="parChTrans1D3" presStyleIdx="3" presStyleCnt="4"/>
       <dgm:spPr/>
+      <dgm:t>
+        <a:bodyPr/>
+        <a:lstStyle/>
+        <a:p>
+          <a:endParaRPr lang="fr-FR"/>
+        </a:p>
+      </dgm:t>
     </dgm:pt>
     <dgm:pt modelId="{C78F5578-9441-4E7A-8E83-838F4280955A}" type="pres">
       <dgm:prSet presAssocID="{FA695584-7E30-4811-B328-96A24A3514D2}" presName="hierRoot3" presStyleCnt="0"/>
@@ -1591,33 +1605,33 @@
     </dgm:pt>
   </dgm:ptLst>
   <dgm:cxnLst>
+    <dgm:cxn modelId="{52510B45-A716-408E-9E2C-349FADC60808}" srcId="{E2E485BC-6609-45C5-A653-DD61D69513A8}" destId="{D18A5E7E-8440-4490-B7EA-220B62327746}" srcOrd="1" destOrd="0" parTransId="{EC801DBE-23D9-40D6-949B-7FEF99FBAB0A}" sibTransId="{17B7BA21-6392-4474-8C54-A157387C1A08}"/>
+    <dgm:cxn modelId="{5FFF80C2-2F0A-4660-845C-9BC9A33812F0}" type="presOf" srcId="{EC801DBE-23D9-40D6-949B-7FEF99FBAB0A}" destId="{DAD48E4F-F1C3-4919-8ED2-F315E8489D2F}" srcOrd="0" destOrd="0" presId="urn:microsoft.com/office/officeart/2009/layout/CirclePictureHierarchy"/>
+    <dgm:cxn modelId="{F5FFEE6E-BD9C-4A8E-AF9D-03C1501FC19E}" srcId="{6B9BC3C5-6782-4E09-9515-E5E2D945C44A}" destId="{726D9F2A-4029-431E-B846-A470AABBDD0F}" srcOrd="2" destOrd="0" parTransId="{C4C1B60A-CABD-480C-A341-397BC0CED015}" sibTransId="{41CDB3A6-E1C4-4DB2-B321-F38C74194DE9}"/>
+    <dgm:cxn modelId="{80C577E2-3709-47FA-9884-588E302B4926}" type="presOf" srcId="{D053AA22-127E-43E8-B1AB-183687B6F17F}" destId="{F84240C2-FF26-4BAE-A4AA-FCB56F7B4278}" srcOrd="0" destOrd="0" presId="urn:microsoft.com/office/officeart/2009/layout/CirclePictureHierarchy"/>
+    <dgm:cxn modelId="{A24BAD85-AC6C-4DFC-8582-750D4339641E}" srcId="{726D9F2A-4029-431E-B846-A470AABBDD0F}" destId="{FA695584-7E30-4811-B328-96A24A3514D2}" srcOrd="1" destOrd="0" parTransId="{177C0CCD-5C76-4992-830D-E228D4078621}" sibTransId="{7156B3B0-8740-4164-902D-63C153813498}"/>
+    <dgm:cxn modelId="{6F6B58DB-F5E3-4BEE-A73C-B92E57989E9B}" type="presOf" srcId="{726D9F2A-4029-431E-B846-A470AABBDD0F}" destId="{35D94242-2EB8-46F7-AFE9-DA978D252AFF}" srcOrd="0" destOrd="0" presId="urn:microsoft.com/office/officeart/2009/layout/CirclePictureHierarchy"/>
     <dgm:cxn modelId="{E3BE5442-7FD4-4BCD-B743-1198562E47F3}" type="presOf" srcId="{6B9BC3C5-6782-4E09-9515-E5E2D945C44A}" destId="{600E9EE2-0BF8-4E60-AC09-1163E87CB282}" srcOrd="0" destOrd="0" presId="urn:microsoft.com/office/officeart/2009/layout/CirclePictureHierarchy"/>
+    <dgm:cxn modelId="{14E67817-700E-488B-8FE5-13BA57FFB604}" srcId="{726D9F2A-4029-431E-B846-A470AABBDD0F}" destId="{8D38CEAB-3E87-4EED-AF4A-170D32DDB0FA}" srcOrd="0" destOrd="0" parTransId="{9C191049-C7D8-4499-B99B-16FD3DC0FB21}" sibTransId="{7F81A1D4-E667-4CD6-B613-228A7F6B5048}"/>
+    <dgm:cxn modelId="{3E98C1F4-382A-4000-A86C-823F69321F4E}" type="presOf" srcId="{1E43B1F9-EE4C-4147-B688-B5B8E03C9A97}" destId="{13F4DB2E-0A15-479E-9F98-D403307A380F}" srcOrd="0" destOrd="0" presId="urn:microsoft.com/office/officeart/2009/layout/CirclePictureHierarchy"/>
     <dgm:cxn modelId="{D7C5555F-1414-440F-9A43-3C340020DBD7}" srcId="{6B9BC3C5-6782-4E09-9515-E5E2D945C44A}" destId="{1E43B1F9-EE4C-4147-B688-B5B8E03C9A97}" srcOrd="3" destOrd="0" parTransId="{89B61726-F9F6-4BB8-8292-3166CC815540}" sibTransId="{A9A29040-5DAB-4ED7-8C0E-12D6D9536697}"/>
-    <dgm:cxn modelId="{9AFFA413-16B1-4F04-9F42-D851B6D8B596}" srcId="{E2E485BC-6609-45C5-A653-DD61D69513A8}" destId="{1B0B20CA-1038-4FAE-89F2-303810A4C041}" srcOrd="0" destOrd="0" parTransId="{D053AA22-127E-43E8-B1AB-183687B6F17F}" sibTransId="{B4FDC6CA-E059-4F3D-8BC7-8C94A342184B}"/>
-    <dgm:cxn modelId="{3E98C1F4-382A-4000-A86C-823F69321F4E}" type="presOf" srcId="{1E43B1F9-EE4C-4147-B688-B5B8E03C9A97}" destId="{13F4DB2E-0A15-479E-9F98-D403307A380F}" srcOrd="0" destOrd="0" presId="urn:microsoft.com/office/officeart/2009/layout/CirclePictureHierarchy"/>
+    <dgm:cxn modelId="{77E02EA9-77A8-4DBB-AE08-DA51124D3EC3}" type="presOf" srcId="{89B61726-F9F6-4BB8-8292-3166CC815540}" destId="{27A74DDC-CFA0-47CC-86DE-EE48D1DD0CED}" srcOrd="0" destOrd="0" presId="urn:microsoft.com/office/officeart/2009/layout/CirclePictureHierarchy"/>
     <dgm:cxn modelId="{A988F5B4-DFA1-4C89-8DF6-16EEEFB9E970}" srcId="{6B9BC3C5-6782-4E09-9515-E5E2D945C44A}" destId="{80DFBD46-8605-46B8-B846-362D75935906}" srcOrd="1" destOrd="0" parTransId="{C940B83A-C275-46E1-AA96-B1C4DA1E65A6}" sibTransId="{7FA4FA98-7450-4721-BE72-42D61BC612D1}"/>
-    <dgm:cxn modelId="{3402CBC6-CDE4-4755-B5D2-E943955E54DD}" type="presOf" srcId="{8D38CEAB-3E87-4EED-AF4A-170D32DDB0FA}" destId="{DD9CF295-3C8E-417A-BD8C-6A7605B163B3}" srcOrd="0" destOrd="0" presId="urn:microsoft.com/office/officeart/2009/layout/CirclePictureHierarchy"/>
-    <dgm:cxn modelId="{77E02EA9-77A8-4DBB-AE08-DA51124D3EC3}" type="presOf" srcId="{89B61726-F9F6-4BB8-8292-3166CC815540}" destId="{27A74DDC-CFA0-47CC-86DE-EE48D1DD0CED}" srcOrd="0" destOrd="0" presId="urn:microsoft.com/office/officeart/2009/layout/CirclePictureHierarchy"/>
-    <dgm:cxn modelId="{A24BAD85-AC6C-4DFC-8582-750D4339641E}" srcId="{726D9F2A-4029-431E-B846-A470AABBDD0F}" destId="{FA695584-7E30-4811-B328-96A24A3514D2}" srcOrd="1" destOrd="0" parTransId="{177C0CCD-5C76-4992-830D-E228D4078621}" sibTransId="{7156B3B0-8740-4164-902D-63C153813498}"/>
-    <dgm:cxn modelId="{D8F4FA0E-C054-422F-BF1C-F7531D1730EC}" type="presOf" srcId="{1B0B20CA-1038-4FAE-89F2-303810A4C041}" destId="{F8E440D4-6886-46D4-9C05-3995417BBDA2}" srcOrd="0" destOrd="0" presId="urn:microsoft.com/office/officeart/2009/layout/CirclePictureHierarchy"/>
-    <dgm:cxn modelId="{DC84099D-3617-4A93-A216-0DA5CF6A55FC}" type="presOf" srcId="{D18A5E7E-8440-4490-B7EA-220B62327746}" destId="{BB6C6E49-EFA2-4AB5-BD51-AA4E047AC326}" srcOrd="0" destOrd="0" presId="urn:microsoft.com/office/officeart/2009/layout/CirclePictureHierarchy"/>
-    <dgm:cxn modelId="{AB1E0EA6-A27E-4E36-98D0-B5402FC6DF1C}" type="presOf" srcId="{C940B83A-C275-46E1-AA96-B1C4DA1E65A6}" destId="{615CBF58-904C-4C33-AC90-9AE034B6E57C}" srcOrd="0" destOrd="0" presId="urn:microsoft.com/office/officeart/2009/layout/CirclePictureHierarchy"/>
-    <dgm:cxn modelId="{0538DADD-570E-40BD-A5FA-1A603D3B90CD}" type="presOf" srcId="{C2399033-F586-4327-80A8-03BF376F59D2}" destId="{1A5EF629-ED89-4F24-99C4-D3964B91A34F}" srcOrd="0" destOrd="0" presId="urn:microsoft.com/office/officeart/2009/layout/CirclePictureHierarchy"/>
-    <dgm:cxn modelId="{52510B45-A716-408E-9E2C-349FADC60808}" srcId="{E2E485BC-6609-45C5-A653-DD61D69513A8}" destId="{D18A5E7E-8440-4490-B7EA-220B62327746}" srcOrd="1" destOrd="0" parTransId="{EC801DBE-23D9-40D6-949B-7FEF99FBAB0A}" sibTransId="{17B7BA21-6392-4474-8C54-A157387C1A08}"/>
-    <dgm:cxn modelId="{6F6B58DB-F5E3-4BEE-A73C-B92E57989E9B}" type="presOf" srcId="{726D9F2A-4029-431E-B846-A470AABBDD0F}" destId="{35D94242-2EB8-46F7-AFE9-DA978D252AFF}" srcOrd="0" destOrd="0" presId="urn:microsoft.com/office/officeart/2009/layout/CirclePictureHierarchy"/>
-    <dgm:cxn modelId="{0AE052A0-4418-413C-BE0D-2612BB3AEDDB}" type="presOf" srcId="{E2E485BC-6609-45C5-A653-DD61D69513A8}" destId="{AA8AC835-583D-4B48-B26F-C4627ED66016}" srcOrd="0" destOrd="0" presId="urn:microsoft.com/office/officeart/2009/layout/CirclePictureHierarchy"/>
-    <dgm:cxn modelId="{14E67817-700E-488B-8FE5-13BA57FFB604}" srcId="{726D9F2A-4029-431E-B846-A470AABBDD0F}" destId="{8D38CEAB-3E87-4EED-AF4A-170D32DDB0FA}" srcOrd="0" destOrd="0" parTransId="{9C191049-C7D8-4499-B99B-16FD3DC0FB21}" sibTransId="{7F81A1D4-E667-4CD6-B613-228A7F6B5048}"/>
-    <dgm:cxn modelId="{80C577E2-3709-47FA-9884-588E302B4926}" type="presOf" srcId="{D053AA22-127E-43E8-B1AB-183687B6F17F}" destId="{F84240C2-FF26-4BAE-A4AA-FCB56F7B4278}" srcOrd="0" destOrd="0" presId="urn:microsoft.com/office/officeart/2009/layout/CirclePictureHierarchy"/>
+    <dgm:cxn modelId="{6A44CC58-CEF8-41F0-B04A-319A150DF671}" srcId="{9AA0A737-8BCC-47A9-862F-3AAA71CE34BE}" destId="{6B9BC3C5-6782-4E09-9515-E5E2D945C44A}" srcOrd="0" destOrd="0" parTransId="{0B8AB355-3F60-4735-8AC3-11469F4F8EA3}" sibTransId="{B4DF0C3C-4590-4EA5-88DC-3D8E0DD8808B}"/>
     <dgm:cxn modelId="{6E829DA3-6FE5-4F5D-A1BE-4449BEE70237}" type="presOf" srcId="{9AA0A737-8BCC-47A9-862F-3AAA71CE34BE}" destId="{EEFDC04D-11CF-4C21-99F4-037D3BFD172C}" srcOrd="0" destOrd="0" presId="urn:microsoft.com/office/officeart/2009/layout/CirclePictureHierarchy"/>
     <dgm:cxn modelId="{C644AAFF-6DF0-4E78-B0C4-DFA50F97EB02}" type="presOf" srcId="{FA695584-7E30-4811-B328-96A24A3514D2}" destId="{16F7F478-5F98-4163-B445-D3BA6C6F00AD}" srcOrd="0" destOrd="0" presId="urn:microsoft.com/office/officeart/2009/layout/CirclePictureHierarchy"/>
+    <dgm:cxn modelId="{1477AEF1-710C-4749-ABA8-0AEBE7D43252}" type="presOf" srcId="{177C0CCD-5C76-4992-830D-E228D4078621}" destId="{FBDA7930-FC2A-427D-9CC4-9BAA05DF6004}" srcOrd="0" destOrd="0" presId="urn:microsoft.com/office/officeart/2009/layout/CirclePictureHierarchy"/>
+    <dgm:cxn modelId="{DC84099D-3617-4A93-A216-0DA5CF6A55FC}" type="presOf" srcId="{D18A5E7E-8440-4490-B7EA-220B62327746}" destId="{BB6C6E49-EFA2-4AB5-BD51-AA4E047AC326}" srcOrd="0" destOrd="0" presId="urn:microsoft.com/office/officeart/2009/layout/CirclePictureHierarchy"/>
+    <dgm:cxn modelId="{0AE052A0-4418-413C-BE0D-2612BB3AEDDB}" type="presOf" srcId="{E2E485BC-6609-45C5-A653-DD61D69513A8}" destId="{AA8AC835-583D-4B48-B26F-C4627ED66016}" srcOrd="0" destOrd="0" presId="urn:microsoft.com/office/officeart/2009/layout/CirclePictureHierarchy"/>
+    <dgm:cxn modelId="{D8F4FA0E-C054-422F-BF1C-F7531D1730EC}" type="presOf" srcId="{1B0B20CA-1038-4FAE-89F2-303810A4C041}" destId="{F8E440D4-6886-46D4-9C05-3995417BBDA2}" srcOrd="0" destOrd="0" presId="urn:microsoft.com/office/officeart/2009/layout/CirclePictureHierarchy"/>
     <dgm:cxn modelId="{FE851B00-D42E-42C4-9579-9BF462D3CE5E}" type="presOf" srcId="{80DFBD46-8605-46B8-B846-362D75935906}" destId="{01489051-135E-4CC3-83BC-F4858D2143A3}" srcOrd="0" destOrd="0" presId="urn:microsoft.com/office/officeart/2009/layout/CirclePictureHierarchy"/>
     <dgm:cxn modelId="{FF4E2454-14D3-40D2-9250-4BF0AF417F37}" type="presOf" srcId="{9C191049-C7D8-4499-B99B-16FD3DC0FB21}" destId="{039B1332-B4AD-4EF9-AD15-550BDDEDE5A0}" srcOrd="0" destOrd="0" presId="urn:microsoft.com/office/officeart/2009/layout/CirclePictureHierarchy"/>
+    <dgm:cxn modelId="{9AFFA413-16B1-4F04-9F42-D851B6D8B596}" srcId="{E2E485BC-6609-45C5-A653-DD61D69513A8}" destId="{1B0B20CA-1038-4FAE-89F2-303810A4C041}" srcOrd="0" destOrd="0" parTransId="{D053AA22-127E-43E8-B1AB-183687B6F17F}" sibTransId="{B4FDC6CA-E059-4F3D-8BC7-8C94A342184B}"/>
+    <dgm:cxn modelId="{828603E0-EDDB-47DA-97FF-EF24E74D4091}" srcId="{6B9BC3C5-6782-4E09-9515-E5E2D945C44A}" destId="{E2E485BC-6609-45C5-A653-DD61D69513A8}" srcOrd="0" destOrd="0" parTransId="{C2399033-F586-4327-80A8-03BF376F59D2}" sibTransId="{D7B4B6CE-F493-422E-802C-0D6A75E25F3B}"/>
     <dgm:cxn modelId="{900D8724-8417-4474-8B0F-2A8F2C646169}" type="presOf" srcId="{C4C1B60A-CABD-480C-A341-397BC0CED015}" destId="{1A633CAB-9E0B-48EF-89A8-15174695C4F4}" srcOrd="0" destOrd="0" presId="urn:microsoft.com/office/officeart/2009/layout/CirclePictureHierarchy"/>
-    <dgm:cxn modelId="{5FFF80C2-2F0A-4660-845C-9BC9A33812F0}" type="presOf" srcId="{EC801DBE-23D9-40D6-949B-7FEF99FBAB0A}" destId="{DAD48E4F-F1C3-4919-8ED2-F315E8489D2F}" srcOrd="0" destOrd="0" presId="urn:microsoft.com/office/officeart/2009/layout/CirclePictureHierarchy"/>
-    <dgm:cxn modelId="{1477AEF1-710C-4749-ABA8-0AEBE7D43252}" type="presOf" srcId="{177C0CCD-5C76-4992-830D-E228D4078621}" destId="{FBDA7930-FC2A-427D-9CC4-9BAA05DF6004}" srcOrd="0" destOrd="0" presId="urn:microsoft.com/office/officeart/2009/layout/CirclePictureHierarchy"/>
-    <dgm:cxn modelId="{F5FFEE6E-BD9C-4A8E-AF9D-03C1501FC19E}" srcId="{6B9BC3C5-6782-4E09-9515-E5E2D945C44A}" destId="{726D9F2A-4029-431E-B846-A470AABBDD0F}" srcOrd="2" destOrd="0" parTransId="{C4C1B60A-CABD-480C-A341-397BC0CED015}" sibTransId="{41CDB3A6-E1C4-4DB2-B321-F38C74194DE9}"/>
-    <dgm:cxn modelId="{6A44CC58-CEF8-41F0-B04A-319A150DF671}" srcId="{9AA0A737-8BCC-47A9-862F-3AAA71CE34BE}" destId="{6B9BC3C5-6782-4E09-9515-E5E2D945C44A}" srcOrd="0" destOrd="0" parTransId="{0B8AB355-3F60-4735-8AC3-11469F4F8EA3}" sibTransId="{B4DF0C3C-4590-4EA5-88DC-3D8E0DD8808B}"/>
-    <dgm:cxn modelId="{828603E0-EDDB-47DA-97FF-EF24E74D4091}" srcId="{6B9BC3C5-6782-4E09-9515-E5E2D945C44A}" destId="{E2E485BC-6609-45C5-A653-DD61D69513A8}" srcOrd="0" destOrd="0" parTransId="{C2399033-F586-4327-80A8-03BF376F59D2}" sibTransId="{D7B4B6CE-F493-422E-802C-0D6A75E25F3B}"/>
+    <dgm:cxn modelId="{3402CBC6-CDE4-4755-B5D2-E943955E54DD}" type="presOf" srcId="{8D38CEAB-3E87-4EED-AF4A-170D32DDB0FA}" destId="{DD9CF295-3C8E-417A-BD8C-6A7605B163B3}" srcOrd="0" destOrd="0" presId="urn:microsoft.com/office/officeart/2009/layout/CirclePictureHierarchy"/>
+    <dgm:cxn modelId="{0538DADD-570E-40BD-A5FA-1A603D3B90CD}" type="presOf" srcId="{C2399033-F586-4327-80A8-03BF376F59D2}" destId="{1A5EF629-ED89-4F24-99C4-D3964B91A34F}" srcOrd="0" destOrd="0" presId="urn:microsoft.com/office/officeart/2009/layout/CirclePictureHierarchy"/>
+    <dgm:cxn modelId="{AB1E0EA6-A27E-4E36-98D0-B5402FC6DF1C}" type="presOf" srcId="{C940B83A-C275-46E1-AA96-B1C4DA1E65A6}" destId="{615CBF58-904C-4C33-AC90-9AE034B6E57C}" srcOrd="0" destOrd="0" presId="urn:microsoft.com/office/officeart/2009/layout/CirclePictureHierarchy"/>
     <dgm:cxn modelId="{B8328DDE-6FC9-4F56-9B9A-3C83479CE6C9}" type="presParOf" srcId="{EEFDC04D-11CF-4C21-99F4-037D3BFD172C}" destId="{C2D80895-3A32-4964-8B3A-17C1BBCD6531}" srcOrd="0" destOrd="0" presId="urn:microsoft.com/office/officeart/2009/layout/CirclePictureHierarchy"/>
     <dgm:cxn modelId="{13BD054F-3A39-46B9-9228-9BE0F5444B97}" type="presParOf" srcId="{C2D80895-3A32-4964-8B3A-17C1BBCD6531}" destId="{8A6D28E6-E39F-4873-8073-0C76267CD18E}" srcOrd="0" destOrd="0" presId="urn:microsoft.com/office/officeart/2009/layout/CirclePictureHierarchy"/>
     <dgm:cxn modelId="{1C829C4A-24C4-4C29-8044-997487D502C3}" type="presParOf" srcId="{8A6D28E6-E39F-4873-8073-0C76267CD18E}" destId="{933B0211-0FD3-4C9D-9C71-1171E74ED883}" srcOrd="0" destOrd="0" presId="urn:microsoft.com/office/officeart/2009/layout/CirclePictureHierarchy"/>
@@ -8578,11 +8592,7 @@
             <a:pPr algn="ctr"/>
             <a:r>
               <a:rPr lang="fr-FR" dirty="0" smtClean="0"/>
-              <a:t>Maquettes</a:t>
-            </a:r>
-            <a:r>
-              <a:rPr lang="fr-FR" dirty="0" smtClean="0"/>
-              <a:t>:</a:t>
+              <a:t>Maquettes:</a:t>
             </a:r>
             <a:endParaRPr lang="fr-FR" dirty="0">
               <a:latin typeface="Times New Roman" panose="02020603050405020304" pitchFamily="18" charset="0"/>
@@ -8766,7 +8776,7 @@
           <p:nvPr>
             <p:extLst>
               <p:ext uri="{D42A27DB-BD31-4B8C-83A1-F6EECF244321}">
-                <p14:modId xmlns:p14="http://schemas.microsoft.com/office/powerpoint/2010/main" val="3404774605"/>
+                <p14:modId xmlns:p14="http://schemas.microsoft.com/office/powerpoint/2010/main" val="3594131568"/>
               </p:ext>
             </p:extLst>
           </p:nvPr>
